--- a/material/Presentacion Free Pong.pptx
+++ b/material/Presentacion Free Pong.pptx
@@ -6,6 +6,7 @@
   </p:sldMasterIdLst>
   <p:sldIdLst>
     <p:sldId id="256" r:id="rId2"/>
+    <p:sldId id="257" r:id="rId3"/>
   </p:sldIdLst>
   <p:sldSz cx="9144000" cy="6858000" type="screen4x3"/>
   <p:notesSz cx="6858000" cy="9144000"/>
@@ -4818,6 +4819,118 @@
 </p:sld>
 </file>
 
+<file path=ppt/slides/slide2.xml><?xml version="1.0" encoding="utf-8"?>
+<p:sld xmlns:a="http://schemas.openxmlformats.org/drawingml/2006/main" xmlns:r="http://schemas.openxmlformats.org/officeDocument/2006/relationships" xmlns:p="http://schemas.openxmlformats.org/presentationml/2006/main">
+  <p:cSld>
+    <p:spTree>
+      <p:nvGrpSpPr>
+        <p:cNvPr id="1" name=""/>
+        <p:cNvGrpSpPr/>
+        <p:nvPr/>
+      </p:nvGrpSpPr>
+      <p:grpSpPr>
+        <a:xfrm>
+          <a:off x="0" y="0"/>
+          <a:ext cx="0" cy="0"/>
+          <a:chOff x="0" y="0"/>
+          <a:chExt cx="0" cy="0"/>
+        </a:xfrm>
+      </p:grpSpPr>
+      <p:sp>
+        <p:nvSpPr>
+          <p:cNvPr id="2" name="1 Marcador de contenido"/>
+          <p:cNvSpPr>
+            <a:spLocks noGrp="1"/>
+          </p:cNvSpPr>
+          <p:nvPr>
+            <p:ph idx="1"/>
+          </p:nvPr>
+        </p:nvSpPr>
+        <p:spPr/>
+        <p:txBody>
+          <a:bodyPr/>
+          <a:lstStyle/>
+          <a:p>
+            <a:r>
+              <a:rPr lang="es-ES_tradnl" dirty="0" smtClean="0"/>
+              <a:t>Introducción</a:t>
+            </a:r>
+          </a:p>
+          <a:p>
+            <a:r>
+              <a:rPr lang="es-ES_tradnl" dirty="0" smtClean="0"/>
+              <a:t>Presentación de la aplicación</a:t>
+            </a:r>
+          </a:p>
+          <a:p>
+            <a:r>
+              <a:rPr lang="es-ES_tradnl" dirty="0" smtClean="0"/>
+              <a:t>Diseño</a:t>
+            </a:r>
+          </a:p>
+          <a:p>
+            <a:r>
+              <a:rPr lang="es-ES_tradnl" dirty="0" smtClean="0"/>
+              <a:t>Tecnologías y herramientas</a:t>
+            </a:r>
+          </a:p>
+          <a:p>
+            <a:r>
+              <a:rPr lang="es-ES_tradnl" dirty="0" smtClean="0"/>
+              <a:t>Retos</a:t>
+            </a:r>
+          </a:p>
+          <a:p>
+            <a:r>
+              <a:rPr lang="es-ES_tradnl" dirty="0" smtClean="0"/>
+              <a:t>Planificación del proyecto</a:t>
+            </a:r>
+          </a:p>
+          <a:p>
+            <a:r>
+              <a:rPr lang="es-ES_tradnl" smtClean="0"/>
+              <a:t>Conclusiones</a:t>
+            </a:r>
+            <a:endParaRPr lang="es-ES"/>
+          </a:p>
+        </p:txBody>
+      </p:sp>
+      <p:sp>
+        <p:nvSpPr>
+          <p:cNvPr id="3" name="2 Título"/>
+          <p:cNvSpPr>
+            <a:spLocks noGrp="1"/>
+          </p:cNvSpPr>
+          <p:nvPr>
+            <p:ph type="title"/>
+          </p:nvPr>
+        </p:nvSpPr>
+        <p:spPr/>
+        <p:txBody>
+          <a:bodyPr/>
+          <a:lstStyle/>
+          <a:p>
+            <a:r>
+              <a:rPr lang="es-ES_tradnl" dirty="0" smtClean="0"/>
+              <a:t>Índice</a:t>
+            </a:r>
+            <a:endParaRPr lang="es-ES" dirty="0"/>
+          </a:p>
+        </p:txBody>
+      </p:sp>
+    </p:spTree>
+    <p:extLst>
+      <p:ext uri="{BB962C8B-B14F-4D97-AF65-F5344CB8AC3E}">
+        <p14:creationId xmlns:p14="http://schemas.microsoft.com/office/powerpoint/2010/main" val="686174468"/>
+      </p:ext>
+    </p:extLst>
+  </p:cSld>
+  <p:clrMapOvr>
+    <a:masterClrMapping/>
+  </p:clrMapOvr>
+</p:sld>
+</file>
+
 <file path=ppt/theme/theme1.xml><?xml version="1.0" encoding="utf-8"?>
 <a:theme xmlns:a="http://schemas.openxmlformats.org/drawingml/2006/main" name="Concurrencia">
   <a:themeElements>

--- a/material/Presentacion Free Pong.pptx
+++ b/material/Presentacion Free Pong.pptx
@@ -7,6 +7,7 @@
   <p:sldIdLst>
     <p:sldId id="256" r:id="rId2"/>
     <p:sldId id="257" r:id="rId3"/>
+    <p:sldId id="258" r:id="rId4"/>
   </p:sldIdLst>
   <p:sldSz cx="9144000" cy="6858000" type="screen4x3"/>
   <p:notesSz cx="6858000" cy="9144000"/>
@@ -4888,10 +4889,10 @@
           </a:p>
           <a:p>
             <a:r>
-              <a:rPr lang="es-ES_tradnl" smtClean="0"/>
+              <a:rPr lang="es-ES_tradnl" dirty="0" smtClean="0"/>
               <a:t>Conclusiones</a:t>
             </a:r>
-            <a:endParaRPr lang="es-ES"/>
+            <a:endParaRPr lang="es-ES" dirty="0"/>
           </a:p>
         </p:txBody>
       </p:sp>
@@ -4922,6 +4923,164 @@
     <p:extLst>
       <p:ext uri="{BB962C8B-B14F-4D97-AF65-F5344CB8AC3E}">
         <p14:creationId xmlns:p14="http://schemas.microsoft.com/office/powerpoint/2010/main" val="686174468"/>
+      </p:ext>
+    </p:extLst>
+  </p:cSld>
+  <p:clrMapOvr>
+    <a:masterClrMapping/>
+  </p:clrMapOvr>
+</p:sld>
+</file>
+
+<file path=ppt/slides/slide3.xml><?xml version="1.0" encoding="utf-8"?>
+<p:sld xmlns:a="http://schemas.openxmlformats.org/drawingml/2006/main" xmlns:r="http://schemas.openxmlformats.org/officeDocument/2006/relationships" xmlns:p="http://schemas.openxmlformats.org/presentationml/2006/main">
+  <p:cSld>
+    <p:spTree>
+      <p:nvGrpSpPr>
+        <p:cNvPr id="1" name=""/>
+        <p:cNvGrpSpPr/>
+        <p:nvPr/>
+      </p:nvGrpSpPr>
+      <p:grpSpPr>
+        <a:xfrm>
+          <a:off x="0" y="0"/>
+          <a:ext cx="0" cy="0"/>
+          <a:chOff x="0" y="0"/>
+          <a:chExt cx="0" cy="0"/>
+        </a:xfrm>
+      </p:grpSpPr>
+      <p:sp>
+        <p:nvSpPr>
+          <p:cNvPr id="2" name="1 Marcador de contenido"/>
+          <p:cNvSpPr>
+            <a:spLocks noGrp="1"/>
+          </p:cNvSpPr>
+          <p:nvPr>
+            <p:ph idx="1"/>
+          </p:nvPr>
+        </p:nvSpPr>
+        <p:spPr/>
+        <p:txBody>
+          <a:bodyPr/>
+          <a:lstStyle/>
+          <a:p>
+            <a:r>
+              <a:rPr lang="es-ES_tradnl" dirty="0" smtClean="0"/>
+              <a:t>Free </a:t>
+            </a:r>
+            <a:r>
+              <a:rPr lang="es-ES_tradnl" dirty="0" err="1" smtClean="0"/>
+              <a:t>Pong</a:t>
+            </a:r>
+            <a:r>
+              <a:rPr lang="es-ES_tradnl" dirty="0" smtClean="0"/>
+              <a:t> surge de un reto que nos propusieron en clase al inicio del curso.</a:t>
+            </a:r>
+          </a:p>
+          <a:p>
+            <a:pPr lvl="1"/>
+            <a:r>
+              <a:rPr lang="es-ES_tradnl" dirty="0" smtClean="0"/>
+              <a:t>Crear una aplicación para reunir a la gente.</a:t>
+            </a:r>
+          </a:p>
+          <a:p>
+            <a:pPr lvl="1"/>
+            <a:r>
+              <a:rPr lang="es-ES_tradnl" dirty="0" smtClean="0"/>
+              <a:t>“</a:t>
+            </a:r>
+            <a:r>
+              <a:rPr lang="es-ES_tradnl" dirty="0" err="1" smtClean="0"/>
+              <a:t>Bringing</a:t>
+            </a:r>
+            <a:r>
+              <a:rPr lang="es-ES_tradnl" dirty="0" smtClean="0"/>
+              <a:t> </a:t>
+            </a:r>
+            <a:r>
+              <a:rPr lang="es-ES_tradnl" dirty="0" err="1" smtClean="0"/>
+              <a:t>people</a:t>
+            </a:r>
+            <a:r>
+              <a:rPr lang="es-ES_tradnl" dirty="0" smtClean="0"/>
+              <a:t> </a:t>
+            </a:r>
+            <a:r>
+              <a:rPr lang="es-ES_tradnl" dirty="0" err="1" smtClean="0"/>
+              <a:t>closer</a:t>
+            </a:r>
+            <a:r>
+              <a:rPr lang="es-ES_tradnl" dirty="0" smtClean="0"/>
+              <a:t> </a:t>
+            </a:r>
+            <a:r>
+              <a:rPr lang="es-ES_tradnl" dirty="0" err="1" smtClean="0"/>
+              <a:t>together</a:t>
+            </a:r>
+            <a:r>
+              <a:rPr lang="es-ES_tradnl" dirty="0" smtClean="0"/>
+              <a:t>”</a:t>
+            </a:r>
+            <a:endParaRPr lang="es-ES" dirty="0"/>
+          </a:p>
+          <a:p>
+            <a:r>
+              <a:rPr lang="es-ES_tradnl" dirty="0" smtClean="0"/>
+              <a:t>Desde un principio, esta aplicación ha ido orientada a jugadores de Ping-Pong.</a:t>
+            </a:r>
+          </a:p>
+          <a:p>
+            <a:pPr lvl="1"/>
+            <a:r>
+              <a:rPr lang="es-ES_tradnl" dirty="0" smtClean="0"/>
+              <a:t>Poner en contacto a usuarios para jugar partidas de Ping </a:t>
+            </a:r>
+            <a:r>
+              <a:rPr lang="es-ES_tradnl" dirty="0" err="1" smtClean="0"/>
+              <a:t>Pong</a:t>
+            </a:r>
+            <a:r>
+              <a:rPr lang="es-ES_tradnl" dirty="0" smtClean="0"/>
+              <a:t> en las </a:t>
+            </a:r>
+            <a:r>
+              <a:rPr lang="es-ES_tradnl" smtClean="0"/>
+              <a:t>mesas cercanas.</a:t>
+            </a:r>
+            <a:endParaRPr lang="es-ES_tradnl" dirty="0"/>
+          </a:p>
+        </p:txBody>
+      </p:sp>
+      <p:sp>
+        <p:nvSpPr>
+          <p:cNvPr id="3" name="2 Título"/>
+          <p:cNvSpPr>
+            <a:spLocks noGrp="1"/>
+          </p:cNvSpPr>
+          <p:nvPr>
+            <p:ph type="title"/>
+          </p:nvPr>
+        </p:nvSpPr>
+        <p:spPr/>
+        <p:txBody>
+          <a:bodyPr>
+            <a:normAutofit/>
+          </a:bodyPr>
+          <a:lstStyle/>
+          <a:p>
+            <a:r>
+              <a:rPr lang="es-ES_tradnl" dirty="0" smtClean="0"/>
+              <a:t>Presentación de la Aplicación</a:t>
+            </a:r>
+            <a:endParaRPr lang="es-ES" dirty="0"/>
+          </a:p>
+        </p:txBody>
+      </p:sp>
+    </p:spTree>
+    <p:extLst>
+      <p:ext uri="{BB962C8B-B14F-4D97-AF65-F5344CB8AC3E}">
+        <p14:creationId xmlns:p14="http://schemas.microsoft.com/office/powerpoint/2010/main" val="983567937"/>
       </p:ext>
     </p:extLst>
   </p:cSld>

--- a/material/Presentacion Free Pong.pptx
+++ b/material/Presentacion Free Pong.pptx
@@ -8,6 +8,7 @@
     <p:sldId id="256" r:id="rId2"/>
     <p:sldId id="257" r:id="rId3"/>
     <p:sldId id="258" r:id="rId4"/>
+    <p:sldId id="259" r:id="rId5"/>
   </p:sldIdLst>
   <p:sldSz cx="9144000" cy="6858000" type="screen4x3"/>
   <p:notesSz cx="6858000" cy="9144000"/>
@@ -4866,7 +4867,7 @@
           <a:p>
             <a:r>
               <a:rPr lang="es-ES_tradnl" dirty="0" smtClean="0"/>
-              <a:t>Diseño</a:t>
+              <a:t>Funcionalidades</a:t>
             </a:r>
           </a:p>
           <a:p>
@@ -5042,11 +5043,7 @@
             </a:r>
             <a:r>
               <a:rPr lang="es-ES_tradnl" dirty="0" smtClean="0"/>
-              <a:t> en las </a:t>
-            </a:r>
-            <a:r>
-              <a:rPr lang="es-ES_tradnl" smtClean="0"/>
-              <a:t>mesas cercanas.</a:t>
+              <a:t> en las mesas cercanas.</a:t>
             </a:r>
             <a:endParaRPr lang="es-ES_tradnl" dirty="0"/>
           </a:p>
@@ -5081,6 +5078,157 @@
     <p:extLst>
       <p:ext uri="{BB962C8B-B14F-4D97-AF65-F5344CB8AC3E}">
         <p14:creationId xmlns:p14="http://schemas.microsoft.com/office/powerpoint/2010/main" val="983567937"/>
+      </p:ext>
+    </p:extLst>
+  </p:cSld>
+  <p:clrMapOvr>
+    <a:masterClrMapping/>
+  </p:clrMapOvr>
+</p:sld>
+</file>
+
+<file path=ppt/slides/slide4.xml><?xml version="1.0" encoding="utf-8"?>
+<p:sld xmlns:a="http://schemas.openxmlformats.org/drawingml/2006/main" xmlns:r="http://schemas.openxmlformats.org/officeDocument/2006/relationships" xmlns:p="http://schemas.openxmlformats.org/presentationml/2006/main">
+  <p:cSld>
+    <p:spTree>
+      <p:nvGrpSpPr>
+        <p:cNvPr id="1" name=""/>
+        <p:cNvGrpSpPr/>
+        <p:nvPr/>
+      </p:nvGrpSpPr>
+      <p:grpSpPr>
+        <a:xfrm>
+          <a:off x="0" y="0"/>
+          <a:ext cx="0" cy="0"/>
+          <a:chOff x="0" y="0"/>
+          <a:chExt cx="0" cy="0"/>
+        </a:xfrm>
+      </p:grpSpPr>
+      <p:sp>
+        <p:nvSpPr>
+          <p:cNvPr id="2" name="1 Marcador de contenido"/>
+          <p:cNvSpPr>
+            <a:spLocks noGrp="1"/>
+          </p:cNvSpPr>
+          <p:nvPr>
+            <p:ph idx="1"/>
+          </p:nvPr>
+        </p:nvSpPr>
+        <p:spPr/>
+        <p:txBody>
+          <a:bodyPr/>
+          <a:lstStyle/>
+          <a:p>
+            <a:r>
+              <a:rPr lang="es-ES_tradnl" dirty="0" smtClean="0"/>
+              <a:t>WEB</a:t>
+            </a:r>
+          </a:p>
+          <a:p>
+            <a:pPr lvl="1"/>
+            <a:r>
+              <a:rPr lang="es-ES_tradnl" dirty="0" smtClean="0"/>
+              <a:t>Crear una partida</a:t>
+            </a:r>
+          </a:p>
+          <a:p>
+            <a:pPr lvl="1"/>
+            <a:r>
+              <a:rPr lang="es-ES_tradnl" dirty="0" smtClean="0"/>
+              <a:t>Unirse a una partida</a:t>
+            </a:r>
+          </a:p>
+          <a:p>
+            <a:pPr lvl="1"/>
+            <a:r>
+              <a:rPr lang="es-ES_tradnl" dirty="0" smtClean="0"/>
+              <a:t>Calendario de partidas disponibles</a:t>
+            </a:r>
+          </a:p>
+          <a:p>
+            <a:pPr lvl="1"/>
+            <a:r>
+              <a:rPr lang="es-ES_tradnl" dirty="0" err="1" smtClean="0"/>
+              <a:t>Login</a:t>
+            </a:r>
+            <a:r>
+              <a:rPr lang="es-ES_tradnl" dirty="0" smtClean="0"/>
+              <a:t> con Facebook</a:t>
+            </a:r>
+          </a:p>
+          <a:p>
+            <a:pPr lvl="1"/>
+            <a:r>
+              <a:rPr lang="es-ES_tradnl" dirty="0" smtClean="0"/>
+              <a:t>Crear </a:t>
+            </a:r>
+            <a:r>
+              <a:rPr lang="es-ES_tradnl" smtClean="0"/>
+              <a:t>mesas nuevas</a:t>
+            </a:r>
+            <a:endParaRPr lang="es-ES_tradnl" dirty="0" smtClean="0"/>
+          </a:p>
+          <a:p>
+            <a:pPr lvl="1"/>
+            <a:r>
+              <a:rPr lang="es-ES_tradnl" dirty="0" smtClean="0"/>
+              <a:t>Consultar mesas en un mapa</a:t>
+            </a:r>
+          </a:p>
+          <a:p>
+            <a:pPr lvl="1"/>
+            <a:r>
+              <a:rPr lang="es-ES_tradnl" dirty="0" smtClean="0"/>
+              <a:t>Chatear con otros usuario</a:t>
+            </a:r>
+          </a:p>
+          <a:p>
+            <a:pPr lvl="1"/>
+            <a:r>
+              <a:rPr lang="es-ES_tradnl" dirty="0" smtClean="0"/>
+              <a:t>Ver todas las partidas jugadas por el usuario</a:t>
+            </a:r>
+          </a:p>
+          <a:p>
+            <a:pPr lvl="1"/>
+            <a:r>
+              <a:rPr lang="es-ES_tradnl" dirty="0" smtClean="0"/>
+              <a:t>Modificar perfil de usuario</a:t>
+            </a:r>
+          </a:p>
+          <a:p>
+            <a:pPr lvl="1"/>
+            <a:endParaRPr lang="es-ES" dirty="0"/>
+          </a:p>
+        </p:txBody>
+      </p:sp>
+      <p:sp>
+        <p:nvSpPr>
+          <p:cNvPr id="3" name="2 Título"/>
+          <p:cNvSpPr>
+            <a:spLocks noGrp="1"/>
+          </p:cNvSpPr>
+          <p:nvPr>
+            <p:ph type="title"/>
+          </p:nvPr>
+        </p:nvSpPr>
+        <p:spPr/>
+        <p:txBody>
+          <a:bodyPr/>
+          <a:lstStyle/>
+          <a:p>
+            <a:r>
+              <a:rPr lang="es-ES_tradnl" dirty="0" smtClean="0"/>
+              <a:t>Funcionalidades (I)	</a:t>
+            </a:r>
+            <a:endParaRPr lang="es-ES" dirty="0"/>
+          </a:p>
+        </p:txBody>
+      </p:sp>
+    </p:spTree>
+    <p:extLst>
+      <p:ext uri="{BB962C8B-B14F-4D97-AF65-F5344CB8AC3E}">
+        <p14:creationId xmlns:p14="http://schemas.microsoft.com/office/powerpoint/2010/main" val="3250600940"/>
       </p:ext>
     </p:extLst>
   </p:cSld>

--- a/material/Presentacion Free Pong.pptx
+++ b/material/Presentacion Free Pong.pptx
@@ -9,6 +9,7 @@
     <p:sldId id="257" r:id="rId3"/>
     <p:sldId id="258" r:id="rId4"/>
     <p:sldId id="259" r:id="rId5"/>
+    <p:sldId id="260" r:id="rId6"/>
   </p:sldIdLst>
   <p:sldSz cx="9144000" cy="6858000" type="screen4x3"/>
   <p:notesSz cx="6858000" cy="9144000"/>
@@ -5160,20 +5161,16 @@
             <a:pPr lvl="1"/>
             <a:r>
               <a:rPr lang="es-ES_tradnl" dirty="0" smtClean="0"/>
-              <a:t>Crear </a:t>
-            </a:r>
-            <a:r>
-              <a:rPr lang="es-ES_tradnl" smtClean="0"/>
-              <a:t>mesas nuevas</a:t>
-            </a:r>
-            <a:endParaRPr lang="es-ES_tradnl" dirty="0" smtClean="0"/>
+              <a:t>Crear mesas nuevas</a:t>
+            </a:r>
           </a:p>
           <a:p>
             <a:pPr lvl="1"/>
             <a:r>
-              <a:rPr lang="es-ES_tradnl" dirty="0" smtClean="0"/>
-              <a:t>Consultar mesas en un mapa</a:t>
-            </a:r>
+              <a:rPr lang="es-ES_tradnl" dirty="0"/>
+              <a:t>Localizar mesas mediante el mapa</a:t>
+            </a:r>
+            <a:endParaRPr lang="es-ES" dirty="0"/>
           </a:p>
           <a:p>
             <a:pPr lvl="1"/>
@@ -5229,6 +5226,137 @@
     <p:extLst>
       <p:ext uri="{BB962C8B-B14F-4D97-AF65-F5344CB8AC3E}">
         <p14:creationId xmlns:p14="http://schemas.microsoft.com/office/powerpoint/2010/main" val="3250600940"/>
+      </p:ext>
+    </p:extLst>
+  </p:cSld>
+  <p:clrMapOvr>
+    <a:masterClrMapping/>
+  </p:clrMapOvr>
+</p:sld>
+</file>
+
+<file path=ppt/slides/slide5.xml><?xml version="1.0" encoding="utf-8"?>
+<p:sld xmlns:a="http://schemas.openxmlformats.org/drawingml/2006/main" xmlns:r="http://schemas.openxmlformats.org/officeDocument/2006/relationships" xmlns:p="http://schemas.openxmlformats.org/presentationml/2006/main">
+  <p:cSld>
+    <p:spTree>
+      <p:nvGrpSpPr>
+        <p:cNvPr id="1" name=""/>
+        <p:cNvGrpSpPr/>
+        <p:nvPr/>
+      </p:nvGrpSpPr>
+      <p:grpSpPr>
+        <a:xfrm>
+          <a:off x="0" y="0"/>
+          <a:ext cx="0" cy="0"/>
+          <a:chOff x="0" y="0"/>
+          <a:chExt cx="0" cy="0"/>
+        </a:xfrm>
+      </p:grpSpPr>
+      <p:sp>
+        <p:nvSpPr>
+          <p:cNvPr id="2" name="1 Marcador de contenido"/>
+          <p:cNvSpPr>
+            <a:spLocks noGrp="1"/>
+          </p:cNvSpPr>
+          <p:nvPr>
+            <p:ph idx="1"/>
+          </p:nvPr>
+        </p:nvSpPr>
+        <p:spPr/>
+        <p:txBody>
+          <a:bodyPr/>
+          <a:lstStyle/>
+          <a:p>
+            <a:r>
+              <a:rPr lang="es-ES_tradnl" dirty="0" err="1" smtClean="0"/>
+              <a:t>Movil</a:t>
+            </a:r>
+            <a:endParaRPr lang="es-ES_tradnl" dirty="0" smtClean="0"/>
+          </a:p>
+          <a:p>
+            <a:r>
+              <a:rPr lang="es-ES_tradnl" dirty="0" smtClean="0"/>
+              <a:t>Crear partidas</a:t>
+            </a:r>
+          </a:p>
+          <a:p>
+            <a:r>
+              <a:rPr lang="es-ES_tradnl" dirty="0" smtClean="0"/>
+              <a:t>Unirse a partidas</a:t>
+            </a:r>
+          </a:p>
+          <a:p>
+            <a:r>
+              <a:rPr lang="es-ES_tradnl" dirty="0" smtClean="0"/>
+              <a:t>Chatear con otros usuarios</a:t>
+            </a:r>
+          </a:p>
+          <a:p>
+            <a:r>
+              <a:rPr lang="es-ES_tradnl" dirty="0" smtClean="0"/>
+              <a:t>Información de otros usuarios</a:t>
+            </a:r>
+          </a:p>
+          <a:p>
+            <a:r>
+              <a:rPr lang="es-ES_tradnl" dirty="0" smtClean="0"/>
+              <a:t>Consultar lista de mesas</a:t>
+            </a:r>
+          </a:p>
+          <a:p>
+            <a:r>
+              <a:rPr lang="es-ES_tradnl" dirty="0" smtClean="0"/>
+              <a:t>Crear mesas nuevas</a:t>
+            </a:r>
+          </a:p>
+          <a:p>
+            <a:r>
+              <a:rPr lang="es-ES_tradnl" dirty="0" smtClean="0"/>
+              <a:t>Localizar mesas mediante el mapa</a:t>
+            </a:r>
+          </a:p>
+          <a:p>
+            <a:r>
+              <a:rPr lang="es-ES_tradnl" dirty="0" smtClean="0"/>
+              <a:t>Ver historial de las </a:t>
+            </a:r>
+            <a:r>
+              <a:rPr lang="es-ES_tradnl" smtClean="0"/>
+              <a:t>partidas jugadas.</a:t>
+            </a:r>
+            <a:endParaRPr lang="es-ES" dirty="0"/>
+          </a:p>
+        </p:txBody>
+      </p:sp>
+      <p:sp>
+        <p:nvSpPr>
+          <p:cNvPr id="3" name="2 Título"/>
+          <p:cNvSpPr>
+            <a:spLocks noGrp="1"/>
+          </p:cNvSpPr>
+          <p:nvPr>
+            <p:ph type="title"/>
+          </p:nvPr>
+        </p:nvSpPr>
+        <p:spPr/>
+        <p:txBody>
+          <a:bodyPr>
+            <a:normAutofit/>
+          </a:bodyPr>
+          <a:lstStyle/>
+          <a:p>
+            <a:r>
+              <a:rPr lang="es-ES_tradnl" dirty="0" smtClean="0"/>
+              <a:t>Funcionalidades (II)</a:t>
+            </a:r>
+            <a:endParaRPr lang="es-ES" dirty="0"/>
+          </a:p>
+        </p:txBody>
+      </p:sp>
+    </p:spTree>
+    <p:extLst>
+      <p:ext uri="{BB962C8B-B14F-4D97-AF65-F5344CB8AC3E}">
+        <p14:creationId xmlns:p14="http://schemas.microsoft.com/office/powerpoint/2010/main" val="142261928"/>
       </p:ext>
     </p:extLst>
   </p:cSld>

--- a/material/Presentacion Free Pong.pptx
+++ b/material/Presentacion Free Pong.pptx
@@ -108,6 +108,22 @@
       </a:defRPr>
     </a:lvl9pPr>
   </p:defaultTextStyle>
+  <p:extLst>
+    <p:ext uri="{EFAFB233-063F-42B5-8137-9DF3F51BA10A}">
+      <p15:sldGuideLst xmlns:p15="http://schemas.microsoft.com/office/powerpoint/2012/main">
+        <p15:guide id="1" orient="horz" pos="2160">
+          <p15:clr>
+            <a:srgbClr val="A4A3A4"/>
+          </p15:clr>
+        </p15:guide>
+        <p15:guide id="2" pos="2880">
+          <p15:clr>
+            <a:srgbClr val="A4A3A4"/>
+          </p15:clr>
+        </p15:guide>
+      </p15:sldGuideLst>
+    </p:ext>
+  </p:extLst>
 </p:presentation>
 </file>
 
@@ -736,7 +752,7 @@
           <a:p>
             <a:fld id="{92E09238-A775-43EC-8A83-9C03762E43F0}" type="datetimeFigureOut">
               <a:rPr lang="es-ES" smtClean="0"/>
-              <a:t>10/06/2016</a:t>
+              <a:t>11/6/16</a:t>
             </a:fld>
             <a:endParaRPr lang="es-ES"/>
           </a:p>
@@ -798,7 +814,7 @@
           <a:p>
             <a:fld id="{866F11AB-3A45-4682-9523-8A808976933F}" type="slidenum">
               <a:rPr lang="es-ES" smtClean="0"/>
-              <a:t>‹Nº›</a:t>
+              <a:t>‹Nr.›</a:t>
             </a:fld>
             <a:endParaRPr lang="es-ES"/>
           </a:p>
@@ -932,7 +948,7 @@
           <a:p>
             <a:fld id="{92E09238-A775-43EC-8A83-9C03762E43F0}" type="datetimeFigureOut">
               <a:rPr lang="es-ES" smtClean="0"/>
-              <a:t>10/06/2016</a:t>
+              <a:t>11/6/16</a:t>
             </a:fld>
             <a:endParaRPr lang="es-ES"/>
           </a:p>
@@ -978,7 +994,7 @@
           <a:p>
             <a:fld id="{866F11AB-3A45-4682-9523-8A808976933F}" type="slidenum">
               <a:rPr lang="es-ES" smtClean="0"/>
-              <a:t>‹Nº›</a:t>
+              <a:t>‹Nr.›</a:t>
             </a:fld>
             <a:endParaRPr lang="es-ES"/>
           </a:p>
@@ -1117,7 +1133,7 @@
           <a:p>
             <a:fld id="{92E09238-A775-43EC-8A83-9C03762E43F0}" type="datetimeFigureOut">
               <a:rPr lang="es-ES" smtClean="0"/>
-              <a:t>10/06/2016</a:t>
+              <a:t>11/6/16</a:t>
             </a:fld>
             <a:endParaRPr lang="es-ES"/>
           </a:p>
@@ -1163,7 +1179,7 @@
           <a:p>
             <a:fld id="{866F11AB-3A45-4682-9523-8A808976933F}" type="slidenum">
               <a:rPr lang="es-ES" smtClean="0"/>
-              <a:t>‹Nº›</a:t>
+              <a:t>‹Nr.›</a:t>
             </a:fld>
             <a:endParaRPr lang="es-ES"/>
           </a:p>
@@ -1267,7 +1283,7 @@
           <a:p>
             <a:fld id="{92E09238-A775-43EC-8A83-9C03762E43F0}" type="datetimeFigureOut">
               <a:rPr lang="es-ES" smtClean="0"/>
-              <a:t>10/06/2016</a:t>
+              <a:t>11/6/16</a:t>
             </a:fld>
             <a:endParaRPr lang="es-ES"/>
           </a:p>
@@ -1313,7 +1329,7 @@
           <a:p>
             <a:fld id="{866F11AB-3A45-4682-9523-8A808976933F}" type="slidenum">
               <a:rPr lang="es-ES" smtClean="0"/>
-              <a:t>‹Nº›</a:t>
+              <a:t>‹Nr.›</a:t>
             </a:fld>
             <a:endParaRPr lang="es-ES"/>
           </a:p>
@@ -1522,7 +1538,7 @@
           <a:p>
             <a:fld id="{92E09238-A775-43EC-8A83-9C03762E43F0}" type="datetimeFigureOut">
               <a:rPr lang="es-ES" smtClean="0"/>
-              <a:t>10/06/2016</a:t>
+              <a:t>11/6/16</a:t>
             </a:fld>
             <a:endParaRPr lang="es-ES"/>
           </a:p>
@@ -1568,7 +1584,7 @@
           <a:p>
             <a:fld id="{866F11AB-3A45-4682-9523-8A808976933F}" type="slidenum">
               <a:rPr lang="es-ES" smtClean="0"/>
-              <a:t>‹Nº›</a:t>
+              <a:t>‹Nr.›</a:t>
             </a:fld>
             <a:endParaRPr lang="es-ES"/>
           </a:p>
@@ -1931,7 +1947,7 @@
           <a:p>
             <a:fld id="{92E09238-A775-43EC-8A83-9C03762E43F0}" type="datetimeFigureOut">
               <a:rPr lang="es-ES" smtClean="0"/>
-              <a:t>10/06/2016</a:t>
+              <a:t>11/6/16</a:t>
             </a:fld>
             <a:endParaRPr lang="es-ES"/>
           </a:p>
@@ -1977,7 +1993,7 @@
           <a:p>
             <a:fld id="{866F11AB-3A45-4682-9523-8A808976933F}" type="slidenum">
               <a:rPr lang="es-ES" smtClean="0"/>
-              <a:t>‹Nº›</a:t>
+              <a:t>‹Nr.›</a:t>
             </a:fld>
             <a:endParaRPr lang="es-ES"/>
           </a:p>
@@ -2377,7 +2393,7 @@
           <a:p>
             <a:fld id="{92E09238-A775-43EC-8A83-9C03762E43F0}" type="datetimeFigureOut">
               <a:rPr lang="es-ES" smtClean="0"/>
-              <a:t>10/06/2016</a:t>
+              <a:t>11/6/16</a:t>
             </a:fld>
             <a:endParaRPr lang="es-ES"/>
           </a:p>
@@ -2423,7 +2439,7 @@
           <a:p>
             <a:fld id="{866F11AB-3A45-4682-9523-8A808976933F}" type="slidenum">
               <a:rPr lang="es-ES" smtClean="0"/>
-              <a:t>‹Nº›</a:t>
+              <a:t>‹Nr.›</a:t>
             </a:fld>
             <a:endParaRPr lang="es-ES"/>
           </a:p>
@@ -2478,7 +2494,7 @@
           <a:p>
             <a:fld id="{92E09238-A775-43EC-8A83-9C03762E43F0}" type="datetimeFigureOut">
               <a:rPr lang="es-ES" smtClean="0"/>
-              <a:t>10/06/2016</a:t>
+              <a:t>11/6/16</a:t>
             </a:fld>
             <a:endParaRPr lang="es-ES"/>
           </a:p>
@@ -2524,7 +2540,7 @@
           <a:p>
             <a:fld id="{866F11AB-3A45-4682-9523-8A808976933F}" type="slidenum">
               <a:rPr lang="es-ES" smtClean="0"/>
-              <a:t>‹Nº›</a:t>
+              <a:t>‹Nr.›</a:t>
             </a:fld>
             <a:endParaRPr lang="es-ES"/>
           </a:p>
@@ -2599,7 +2615,7 @@
           <a:p>
             <a:fld id="{92E09238-A775-43EC-8A83-9C03762E43F0}" type="datetimeFigureOut">
               <a:rPr lang="es-ES" smtClean="0"/>
-              <a:t>10/06/2016</a:t>
+              <a:t>11/6/16</a:t>
             </a:fld>
             <a:endParaRPr lang="es-ES"/>
           </a:p>
@@ -2645,7 +2661,7 @@
           <a:p>
             <a:fld id="{866F11AB-3A45-4682-9523-8A808976933F}" type="slidenum">
               <a:rPr lang="es-ES" smtClean="0"/>
-              <a:t>‹Nº›</a:t>
+              <a:t>‹Nr.›</a:t>
             </a:fld>
             <a:endParaRPr lang="es-ES"/>
           </a:p>
@@ -2873,7 +2889,7 @@
           <a:p>
             <a:fld id="{92E09238-A775-43EC-8A83-9C03762E43F0}" type="datetimeFigureOut">
               <a:rPr lang="es-ES" smtClean="0"/>
-              <a:t>10/06/2016</a:t>
+              <a:t>11/6/16</a:t>
             </a:fld>
             <a:endParaRPr lang="es-ES"/>
           </a:p>
@@ -2919,7 +2935,7 @@
           <a:p>
             <a:fld id="{866F11AB-3A45-4682-9523-8A808976933F}" type="slidenum">
               <a:rPr lang="es-ES" smtClean="0"/>
-              <a:t>‹Nº›</a:t>
+              <a:t>‹Nr.›</a:t>
             </a:fld>
             <a:endParaRPr lang="es-ES"/>
           </a:p>
@@ -3078,7 +3094,7 @@
           <a:p>
             <a:fld id="{92E09238-A775-43EC-8A83-9C03762E43F0}" type="datetimeFigureOut">
               <a:rPr lang="es-ES" smtClean="0"/>
-              <a:t>10/06/2016</a:t>
+              <a:t>11/6/16</a:t>
             </a:fld>
             <a:endParaRPr lang="es-ES"/>
           </a:p>
@@ -3143,7 +3159,7 @@
           <a:p>
             <a:fld id="{866F11AB-3A45-4682-9523-8A808976933F}" type="slidenum">
               <a:rPr lang="es-ES" smtClean="0"/>
-              <a:t>‹Nº›</a:t>
+              <a:t>‹Nr.›</a:t>
             </a:fld>
             <a:endParaRPr lang="es-ES"/>
           </a:p>
@@ -4187,7 +4203,7 @@
           <a:p>
             <a:fld id="{92E09238-A775-43EC-8A83-9C03762E43F0}" type="datetimeFigureOut">
               <a:rPr lang="es-ES" smtClean="0"/>
-              <a:t>10/06/2016</a:t>
+              <a:t>11/6/16</a:t>
             </a:fld>
             <a:endParaRPr lang="es-ES"/>
           </a:p>
@@ -4263,7 +4279,7 @@
           <a:p>
             <a:fld id="{866F11AB-3A45-4682-9523-8A808976933F}" type="slidenum">
               <a:rPr lang="es-ES" smtClean="0"/>
-              <a:t>‹Nº›</a:t>
+              <a:t>‹Nr.›</a:t>
             </a:fld>
             <a:endParaRPr lang="es-ES"/>
           </a:p>
@@ -4596,38 +4612,6 @@
       </p:grpSpPr>
       <p:sp>
         <p:nvSpPr>
-          <p:cNvPr id="2" name="1 Título"/>
-          <p:cNvSpPr>
-            <a:spLocks noGrp="1"/>
-          </p:cNvSpPr>
-          <p:nvPr>
-            <p:ph type="ctrTitle"/>
-          </p:nvPr>
-        </p:nvSpPr>
-        <p:spPr>
-          <a:xfrm>
-            <a:off x="1183365" y="2636912"/>
-            <a:ext cx="7772400" cy="1470025"/>
-          </a:xfrm>
-        </p:spPr>
-        <p:txBody>
-          <a:bodyPr/>
-          <a:lstStyle/>
-          <a:p>
-            <a:r>
-              <a:rPr lang="es-ES_tradnl" dirty="0" smtClean="0"/>
-              <a:t>Free </a:t>
-            </a:r>
-            <a:r>
-              <a:rPr lang="es-ES_tradnl" dirty="0" err="1" smtClean="0"/>
-              <a:t>Pong</a:t>
-            </a:r>
-            <a:endParaRPr lang="es-ES" dirty="0"/>
-          </a:p>
-        </p:txBody>
-      </p:sp>
-      <p:sp>
-        <p:nvSpPr>
           <p:cNvPr id="3" name="2 Subtítulo"/>
           <p:cNvSpPr>
             <a:spLocks noGrp="1"/>
@@ -4807,6 +4791,36 @@
               </a14:hiddenLine>
             </a:ext>
           </a:extLst>
+        </p:spPr>
+      </p:pic>
+      <p:pic>
+        <p:nvPicPr>
+          <p:cNvPr id="5" name="Imagen 4"/>
+          <p:cNvPicPr>
+            <a:picLocks noChangeAspect="1"/>
+          </p:cNvPicPr>
+          <p:nvPr/>
+        </p:nvPicPr>
+        <p:blipFill>
+          <a:blip r:embed="rId3">
+            <a:extLst>
+              <a:ext uri="{28A0092B-C50C-407E-A947-70E740481C1C}">
+                <a14:useLocalDpi xmlns:a14="http://schemas.microsoft.com/office/drawing/2010/main" val="0"/>
+              </a:ext>
+            </a:extLst>
+          </a:blip>
+          <a:stretch>
+            <a:fillRect/>
+          </a:stretch>
+        </p:blipFill>
+        <p:spPr>
+          <a:xfrm>
+            <a:off x="5010390" y="2045749"/>
+            <a:ext cx="3912140" cy="2145093"/>
+          </a:xfrm>
+          <a:prstGeom prst="rect">
+            <a:avLst/>
+          </a:prstGeom>
         </p:spPr>
       </p:pic>
     </p:spTree>

--- a/material/Presentacion Free Pong.pptx
+++ b/material/Presentacion Free Pong.pptx
@@ -10,6 +10,7 @@
     <p:sldId id="258" r:id="rId4"/>
     <p:sldId id="259" r:id="rId5"/>
     <p:sldId id="260" r:id="rId6"/>
+    <p:sldId id="261" r:id="rId7"/>
   </p:sldIdLst>
   <p:sldSz cx="9144000" cy="6858000" type="screen4x3"/>
   <p:notesSz cx="6858000" cy="9144000"/>
@@ -752,7 +753,7 @@
           <a:p>
             <a:fld id="{92E09238-A775-43EC-8A83-9C03762E43F0}" type="datetimeFigureOut">
               <a:rPr lang="es-ES" smtClean="0"/>
-              <a:t>11/6/16</a:t>
+              <a:t>12/6/16</a:t>
             </a:fld>
             <a:endParaRPr lang="es-ES"/>
           </a:p>
@@ -948,7 +949,7 @@
           <a:p>
             <a:fld id="{92E09238-A775-43EC-8A83-9C03762E43F0}" type="datetimeFigureOut">
               <a:rPr lang="es-ES" smtClean="0"/>
-              <a:t>11/6/16</a:t>
+              <a:t>12/6/16</a:t>
             </a:fld>
             <a:endParaRPr lang="es-ES"/>
           </a:p>
@@ -1133,7 +1134,7 @@
           <a:p>
             <a:fld id="{92E09238-A775-43EC-8A83-9C03762E43F0}" type="datetimeFigureOut">
               <a:rPr lang="es-ES" smtClean="0"/>
-              <a:t>11/6/16</a:t>
+              <a:t>12/6/16</a:t>
             </a:fld>
             <a:endParaRPr lang="es-ES"/>
           </a:p>
@@ -1283,7 +1284,7 @@
           <a:p>
             <a:fld id="{92E09238-A775-43EC-8A83-9C03762E43F0}" type="datetimeFigureOut">
               <a:rPr lang="es-ES" smtClean="0"/>
-              <a:t>11/6/16</a:t>
+              <a:t>12/6/16</a:t>
             </a:fld>
             <a:endParaRPr lang="es-ES"/>
           </a:p>
@@ -1538,7 +1539,7 @@
           <a:p>
             <a:fld id="{92E09238-A775-43EC-8A83-9C03762E43F0}" type="datetimeFigureOut">
               <a:rPr lang="es-ES" smtClean="0"/>
-              <a:t>11/6/16</a:t>
+              <a:t>12/6/16</a:t>
             </a:fld>
             <a:endParaRPr lang="es-ES"/>
           </a:p>
@@ -1947,7 +1948,7 @@
           <a:p>
             <a:fld id="{92E09238-A775-43EC-8A83-9C03762E43F0}" type="datetimeFigureOut">
               <a:rPr lang="es-ES" smtClean="0"/>
-              <a:t>11/6/16</a:t>
+              <a:t>12/6/16</a:t>
             </a:fld>
             <a:endParaRPr lang="es-ES"/>
           </a:p>
@@ -2393,7 +2394,7 @@
           <a:p>
             <a:fld id="{92E09238-A775-43EC-8A83-9C03762E43F0}" type="datetimeFigureOut">
               <a:rPr lang="es-ES" smtClean="0"/>
-              <a:t>11/6/16</a:t>
+              <a:t>12/6/16</a:t>
             </a:fld>
             <a:endParaRPr lang="es-ES"/>
           </a:p>
@@ -2494,7 +2495,7 @@
           <a:p>
             <a:fld id="{92E09238-A775-43EC-8A83-9C03762E43F0}" type="datetimeFigureOut">
               <a:rPr lang="es-ES" smtClean="0"/>
-              <a:t>11/6/16</a:t>
+              <a:t>12/6/16</a:t>
             </a:fld>
             <a:endParaRPr lang="es-ES"/>
           </a:p>
@@ -2615,7 +2616,7 @@
           <a:p>
             <a:fld id="{92E09238-A775-43EC-8A83-9C03762E43F0}" type="datetimeFigureOut">
               <a:rPr lang="es-ES" smtClean="0"/>
-              <a:t>11/6/16</a:t>
+              <a:t>12/6/16</a:t>
             </a:fld>
             <a:endParaRPr lang="es-ES"/>
           </a:p>
@@ -2889,7 +2890,7 @@
           <a:p>
             <a:fld id="{92E09238-A775-43EC-8A83-9C03762E43F0}" type="datetimeFigureOut">
               <a:rPr lang="es-ES" smtClean="0"/>
-              <a:t>11/6/16</a:t>
+              <a:t>12/6/16</a:t>
             </a:fld>
             <a:endParaRPr lang="es-ES"/>
           </a:p>
@@ -3094,7 +3095,7 @@
           <a:p>
             <a:fld id="{92E09238-A775-43EC-8A83-9C03762E43F0}" type="datetimeFigureOut">
               <a:rPr lang="es-ES" smtClean="0"/>
-              <a:t>11/6/16</a:t>
+              <a:t>12/6/16</a:t>
             </a:fld>
             <a:endParaRPr lang="es-ES"/>
           </a:p>
@@ -4203,7 +4204,7 @@
           <a:p>
             <a:fld id="{92E09238-A775-43EC-8A83-9C03762E43F0}" type="datetimeFigureOut">
               <a:rPr lang="es-ES" smtClean="0"/>
-              <a:t>11/6/16</a:t>
+              <a:t>12/6/16</a:t>
             </a:fld>
             <a:endParaRPr lang="es-ES"/>
           </a:p>
@@ -5204,8 +5205,20 @@
             <a:pPr lvl="1"/>
             <a:r>
               <a:rPr lang="es-ES_tradnl" dirty="0" smtClean="0"/>
-              <a:t>Modificar perfil de usuario</a:t>
-            </a:r>
+              <a:t>Modificar perfil de </a:t>
+            </a:r>
+            <a:r>
+              <a:rPr lang="es-ES_tradnl" dirty="0" smtClean="0"/>
+              <a:t>usuario</a:t>
+            </a:r>
+          </a:p>
+          <a:p>
+            <a:pPr lvl="1"/>
+            <a:r>
+              <a:rPr lang="es-ES_tradnl" dirty="0" smtClean="0"/>
+              <a:t>Compartir en redes sociales</a:t>
+            </a:r>
+            <a:endParaRPr lang="es-ES_tradnl" dirty="0" smtClean="0"/>
           </a:p>
           <a:p>
             <a:pPr lvl="1"/>
@@ -5285,59 +5298,88 @@
               <a:rPr lang="es-ES_tradnl" dirty="0" err="1" smtClean="0"/>
               <a:t>Movil</a:t>
             </a:r>
+            <a:r>
+              <a:rPr lang="es-ES_tradnl" dirty="0" smtClean="0"/>
+              <a:t>:</a:t>
+            </a:r>
             <a:endParaRPr lang="es-ES_tradnl" dirty="0" smtClean="0"/>
           </a:p>
           <a:p>
+            <a:pPr lvl="1"/>
             <a:r>
               <a:rPr lang="es-ES_tradnl" dirty="0" smtClean="0"/>
               <a:t>Crear partidas</a:t>
             </a:r>
           </a:p>
           <a:p>
+            <a:pPr lvl="1"/>
             <a:r>
               <a:rPr lang="es-ES_tradnl" dirty="0" smtClean="0"/>
               <a:t>Unirse a partidas</a:t>
             </a:r>
           </a:p>
           <a:p>
+            <a:pPr lvl="1"/>
             <a:r>
               <a:rPr lang="es-ES_tradnl" dirty="0" smtClean="0"/>
               <a:t>Chatear con otros usuarios</a:t>
             </a:r>
           </a:p>
           <a:p>
+            <a:pPr lvl="1"/>
             <a:r>
               <a:rPr lang="es-ES_tradnl" dirty="0" smtClean="0"/>
               <a:t>Información de otros usuarios</a:t>
             </a:r>
           </a:p>
           <a:p>
+            <a:pPr lvl="1"/>
             <a:r>
               <a:rPr lang="es-ES_tradnl" dirty="0" smtClean="0"/>
               <a:t>Consultar lista de mesas</a:t>
             </a:r>
           </a:p>
           <a:p>
+            <a:pPr lvl="1"/>
             <a:r>
               <a:rPr lang="es-ES_tradnl" dirty="0" smtClean="0"/>
               <a:t>Crear mesas nuevas</a:t>
             </a:r>
           </a:p>
           <a:p>
+            <a:pPr lvl="1"/>
             <a:r>
               <a:rPr lang="es-ES_tradnl" dirty="0" smtClean="0"/>
               <a:t>Localizar mesas mediante el mapa</a:t>
             </a:r>
           </a:p>
           <a:p>
+            <a:pPr lvl="1"/>
             <a:r>
               <a:rPr lang="es-ES_tradnl" dirty="0" smtClean="0"/>
-              <a:t>Ver historial de las </a:t>
-            </a:r>
-            <a:r>
-              <a:rPr lang="es-ES_tradnl" smtClean="0"/>
-              <a:t>partidas jugadas.</a:t>
-            </a:r>
+              <a:t>Ver historial de las partidas </a:t>
+            </a:r>
+            <a:r>
+              <a:rPr lang="es-ES_tradnl" dirty="0" smtClean="0"/>
+              <a:t>jugadas.</a:t>
+            </a:r>
+          </a:p>
+          <a:p>
+            <a:pPr lvl="1"/>
+            <a:r>
+              <a:rPr lang="es-ES_tradnl" dirty="0" smtClean="0"/>
+              <a:t>Ranking de jugadores</a:t>
+            </a:r>
+          </a:p>
+          <a:p>
+            <a:pPr lvl="1"/>
+            <a:r>
+              <a:rPr lang="es-ES_tradnl" dirty="0" smtClean="0"/>
+              <a:t>Modificar perfil</a:t>
+            </a:r>
+          </a:p>
+          <a:p>
+            <a:pPr lvl="1"/>
             <a:endParaRPr lang="es-ES" dirty="0"/>
           </a:p>
         </p:txBody>
@@ -5371,6 +5413,84 @@
     <p:extLst>
       <p:ext uri="{BB962C8B-B14F-4D97-AF65-F5344CB8AC3E}">
         <p14:creationId xmlns:p14="http://schemas.microsoft.com/office/powerpoint/2010/main" val="142261928"/>
+      </p:ext>
+    </p:extLst>
+  </p:cSld>
+  <p:clrMapOvr>
+    <a:masterClrMapping/>
+  </p:clrMapOvr>
+</p:sld>
+</file>
+
+<file path=ppt/slides/slide6.xml><?xml version="1.0" encoding="utf-8"?>
+<p:sld xmlns:a="http://schemas.openxmlformats.org/drawingml/2006/main" xmlns:r="http://schemas.openxmlformats.org/officeDocument/2006/relationships" xmlns:p="http://schemas.openxmlformats.org/presentationml/2006/main">
+  <p:cSld>
+    <p:spTree>
+      <p:nvGrpSpPr>
+        <p:cNvPr id="1" name=""/>
+        <p:cNvGrpSpPr/>
+        <p:nvPr/>
+      </p:nvGrpSpPr>
+      <p:grpSpPr>
+        <a:xfrm>
+          <a:off x="0" y="0"/>
+          <a:ext cx="0" cy="0"/>
+          <a:chOff x="0" y="0"/>
+          <a:chExt cx="0" cy="0"/>
+        </a:xfrm>
+      </p:grpSpPr>
+      <p:sp>
+        <p:nvSpPr>
+          <p:cNvPr id="2" name="Marcador de contenido 1"/>
+          <p:cNvSpPr>
+            <a:spLocks noGrp="1"/>
+          </p:cNvSpPr>
+          <p:nvPr>
+            <p:ph idx="1"/>
+          </p:nvPr>
+        </p:nvSpPr>
+        <p:spPr/>
+        <p:txBody>
+          <a:bodyPr/>
+          <a:lstStyle/>
+          <a:p>
+            <a:r>
+              <a:rPr lang="es-ES_tradnl" dirty="0" smtClean="0"/>
+              <a:t>Hemos utilizado 4 modelos, uno para el usuario, otro para las partidas y las mesas y para acabar uno para el historial de partidas.</a:t>
+            </a:r>
+          </a:p>
+          <a:p>
+            <a:endParaRPr lang="es-ES_tradnl" dirty="0"/>
+          </a:p>
+        </p:txBody>
+      </p:sp>
+      <p:sp>
+        <p:nvSpPr>
+          <p:cNvPr id="3" name="Título 2"/>
+          <p:cNvSpPr>
+            <a:spLocks noGrp="1"/>
+          </p:cNvSpPr>
+          <p:nvPr>
+            <p:ph type="title"/>
+          </p:nvPr>
+        </p:nvSpPr>
+        <p:spPr/>
+        <p:txBody>
+          <a:bodyPr/>
+          <a:lstStyle/>
+          <a:p>
+            <a:r>
+              <a:rPr lang="es-ES_tradnl" dirty="0" smtClean="0"/>
+              <a:t>Diseño </a:t>
+            </a:r>
+            <a:endParaRPr lang="es-ES_tradnl" dirty="0"/>
+          </a:p>
+        </p:txBody>
+      </p:sp>
+    </p:spTree>
+    <p:extLst>
+      <p:ext uri="{BB962C8B-B14F-4D97-AF65-F5344CB8AC3E}">
+        <p14:creationId xmlns:p14="http://schemas.microsoft.com/office/powerpoint/2010/main" val="1918826755"/>
       </p:ext>
     </p:extLst>
   </p:cSld>

--- a/material/Presentacion Free Pong.pptx
+++ b/material/Presentacion Free Pong.pptx
@@ -11,6 +11,7 @@
     <p:sldId id="259" r:id="rId5"/>
     <p:sldId id="260" r:id="rId6"/>
     <p:sldId id="261" r:id="rId7"/>
+    <p:sldId id="262" r:id="rId8"/>
   </p:sldIdLst>
   <p:sldSz cx="9144000" cy="6858000" type="screen4x3"/>
   <p:notesSz cx="6858000" cy="9144000"/>
@@ -5481,16 +5482,144 @@
           <a:p>
             <a:r>
               <a:rPr lang="es-ES_tradnl" dirty="0" smtClean="0"/>
-              <a:t>Diseño </a:t>
+              <a:t>Diseño (I) </a:t>
             </a:r>
             <a:endParaRPr lang="es-ES_tradnl" dirty="0"/>
           </a:p>
         </p:txBody>
       </p:sp>
+      <p:pic>
+        <p:nvPicPr>
+          <p:cNvPr id="4" name="Imagen 3"/>
+          <p:cNvPicPr>
+            <a:picLocks noChangeAspect="1"/>
+          </p:cNvPicPr>
+          <p:nvPr/>
+        </p:nvPicPr>
+        <p:blipFill>
+          <a:blip r:embed="rId2">
+            <a:extLst>
+              <a:ext uri="{28A0092B-C50C-407E-A947-70E740481C1C}">
+                <a14:useLocalDpi xmlns:a14="http://schemas.microsoft.com/office/drawing/2010/main" val="0"/>
+              </a:ext>
+            </a:extLst>
+          </a:blip>
+          <a:stretch>
+            <a:fillRect/>
+          </a:stretch>
+        </p:blipFill>
+        <p:spPr>
+          <a:xfrm>
+            <a:off x="1043608" y="2996952"/>
+            <a:ext cx="3823072" cy="2716594"/>
+          </a:xfrm>
+          <a:prstGeom prst="rect">
+            <a:avLst/>
+          </a:prstGeom>
+        </p:spPr>
+      </p:pic>
+      <p:pic>
+        <p:nvPicPr>
+          <p:cNvPr id="5" name="Imagen 4"/>
+          <p:cNvPicPr>
+            <a:picLocks noChangeAspect="1"/>
+          </p:cNvPicPr>
+          <p:nvPr/>
+        </p:nvPicPr>
+        <p:blipFill>
+          <a:blip r:embed="rId3">
+            <a:extLst>
+              <a:ext uri="{28A0092B-C50C-407E-A947-70E740481C1C}">
+                <a14:useLocalDpi xmlns:a14="http://schemas.microsoft.com/office/drawing/2010/main" val="0"/>
+              </a:ext>
+            </a:extLst>
+          </a:blip>
+          <a:stretch>
+            <a:fillRect/>
+          </a:stretch>
+        </p:blipFill>
+        <p:spPr>
+          <a:xfrm>
+            <a:off x="4778962" y="2996952"/>
+            <a:ext cx="3930369" cy="2160240"/>
+          </a:xfrm>
+          <a:prstGeom prst="rect">
+            <a:avLst/>
+          </a:prstGeom>
+        </p:spPr>
+      </p:pic>
     </p:spTree>
     <p:extLst>
       <p:ext uri="{BB962C8B-B14F-4D97-AF65-F5344CB8AC3E}">
         <p14:creationId xmlns:p14="http://schemas.microsoft.com/office/powerpoint/2010/main" val="1918826755"/>
+      </p:ext>
+    </p:extLst>
+  </p:cSld>
+  <p:clrMapOvr>
+    <a:masterClrMapping/>
+  </p:clrMapOvr>
+</p:sld>
+</file>
+
+<file path=ppt/slides/slide7.xml><?xml version="1.0" encoding="utf-8"?>
+<p:sld xmlns:a="http://schemas.openxmlformats.org/drawingml/2006/main" xmlns:r="http://schemas.openxmlformats.org/officeDocument/2006/relationships" xmlns:p="http://schemas.openxmlformats.org/presentationml/2006/main">
+  <p:cSld>
+    <p:spTree>
+      <p:nvGrpSpPr>
+        <p:cNvPr id="1" name=""/>
+        <p:cNvGrpSpPr/>
+        <p:nvPr/>
+      </p:nvGrpSpPr>
+      <p:grpSpPr>
+        <a:xfrm>
+          <a:off x="0" y="0"/>
+          <a:ext cx="0" cy="0"/>
+          <a:chOff x="0" y="0"/>
+          <a:chExt cx="0" cy="0"/>
+        </a:xfrm>
+      </p:grpSpPr>
+      <p:sp>
+        <p:nvSpPr>
+          <p:cNvPr id="2" name="Marcador de contenido 1"/>
+          <p:cNvSpPr>
+            <a:spLocks noGrp="1"/>
+          </p:cNvSpPr>
+          <p:nvPr>
+            <p:ph idx="1"/>
+          </p:nvPr>
+        </p:nvSpPr>
+        <p:spPr/>
+        <p:txBody>
+          <a:bodyPr/>
+          <a:lstStyle/>
+          <a:p>
+            <a:endParaRPr lang="es-ES_tradnl"/>
+          </a:p>
+        </p:txBody>
+      </p:sp>
+      <p:sp>
+        <p:nvSpPr>
+          <p:cNvPr id="3" name="Título 2"/>
+          <p:cNvSpPr>
+            <a:spLocks noGrp="1"/>
+          </p:cNvSpPr>
+          <p:nvPr>
+            <p:ph type="title"/>
+          </p:nvPr>
+        </p:nvSpPr>
+        <p:spPr/>
+        <p:txBody>
+          <a:bodyPr/>
+          <a:lstStyle/>
+          <a:p>
+            <a:endParaRPr lang="es-ES_tradnl"/>
+          </a:p>
+        </p:txBody>
+      </p:sp>
+    </p:spTree>
+    <p:extLst>
+      <p:ext uri="{BB962C8B-B14F-4D97-AF65-F5344CB8AC3E}">
+        <p14:creationId xmlns:p14="http://schemas.microsoft.com/office/powerpoint/2010/main" val="210033350"/>
       </p:ext>
     </p:extLst>
   </p:cSld>

--- a/material/Presentacion Free Pong.pptx
+++ b/material/Presentacion Free Pong.pptx
@@ -5541,7 +5541,7 @@
         <p:spPr>
           <a:xfrm>
             <a:off x="4778962" y="2996952"/>
-            <a:ext cx="3930369" cy="2160240"/>
+            <a:ext cx="4323406" cy="2376264"/>
           </a:xfrm>
           <a:prstGeom prst="rect">
             <a:avLst/>
@@ -5578,14 +5578,43 @@
           <a:chExt cx="0" cy="0"/>
         </a:xfrm>
       </p:grpSpPr>
-      <p:sp>
-        <p:nvSpPr>
-          <p:cNvPr id="2" name="Marcador de contenido 1"/>
-          <p:cNvSpPr>
-            <a:spLocks noGrp="1"/>
-          </p:cNvSpPr>
+      <p:pic>
+        <p:nvPicPr>
+          <p:cNvPr id="4" name="Marcador de contenido 3"/>
+          <p:cNvPicPr>
+            <a:picLocks noGrp="1" noChangeAspect="1"/>
+          </p:cNvPicPr>
           <p:nvPr>
             <p:ph idx="1"/>
+          </p:nvPr>
+        </p:nvPicPr>
+        <p:blipFill>
+          <a:blip r:embed="rId2">
+            <a:extLst>
+              <a:ext uri="{28A0092B-C50C-407E-A947-70E740481C1C}">
+                <a14:useLocalDpi xmlns:a14="http://schemas.microsoft.com/office/drawing/2010/main" val="0"/>
+              </a:ext>
+            </a:extLst>
+          </a:blip>
+          <a:stretch>
+            <a:fillRect/>
+          </a:stretch>
+        </p:blipFill>
+        <p:spPr>
+          <a:xfrm>
+            <a:off x="523465" y="1844824"/>
+            <a:ext cx="4073687" cy="2715791"/>
+          </a:xfrm>
+        </p:spPr>
+      </p:pic>
+      <p:sp>
+        <p:nvSpPr>
+          <p:cNvPr id="3" name="Título 2"/>
+          <p:cNvSpPr>
+            <a:spLocks noGrp="1"/>
+          </p:cNvSpPr>
+          <p:nvPr>
+            <p:ph type="title"/>
           </p:nvPr>
         </p:nvSpPr>
         <p:spPr/>
@@ -5593,29 +5622,43 @@
           <a:bodyPr/>
           <a:lstStyle/>
           <a:p>
-            <a:endParaRPr lang="es-ES_tradnl"/>
-          </a:p>
-        </p:txBody>
-      </p:sp>
-      <p:sp>
-        <p:nvSpPr>
-          <p:cNvPr id="3" name="Título 2"/>
-          <p:cNvSpPr>
-            <a:spLocks noGrp="1"/>
-          </p:cNvSpPr>
-          <p:nvPr>
-            <p:ph type="title"/>
-          </p:nvPr>
-        </p:nvSpPr>
-        <p:spPr/>
-        <p:txBody>
-          <a:bodyPr/>
-          <a:lstStyle/>
-          <a:p>
-            <a:endParaRPr lang="es-ES_tradnl"/>
-          </a:p>
-        </p:txBody>
-      </p:sp>
+            <a:r>
+              <a:rPr lang="es-ES_tradnl" dirty="0" smtClean="0"/>
+              <a:t>Diseño (II)</a:t>
+            </a:r>
+            <a:endParaRPr lang="es-ES_tradnl" dirty="0"/>
+          </a:p>
+        </p:txBody>
+      </p:sp>
+      <p:pic>
+        <p:nvPicPr>
+          <p:cNvPr id="5" name="Imagen 4"/>
+          <p:cNvPicPr>
+            <a:picLocks noChangeAspect="1"/>
+          </p:cNvPicPr>
+          <p:nvPr/>
+        </p:nvPicPr>
+        <p:blipFill rotWithShape="1">
+          <a:blip r:embed="rId3">
+            <a:extLst>
+              <a:ext uri="{28A0092B-C50C-407E-A947-70E740481C1C}">
+                <a14:useLocalDpi xmlns:a14="http://schemas.microsoft.com/office/drawing/2010/main" val="0"/>
+              </a:ext>
+            </a:extLst>
+          </a:blip>
+          <a:srcRect l="1248"/>
+          <a:stretch/>
+        </p:blipFill>
+        <p:spPr>
+          <a:xfrm>
+            <a:off x="4355976" y="1844824"/>
+            <a:ext cx="4644008" cy="3120108"/>
+          </a:xfrm>
+          <a:prstGeom prst="rect">
+            <a:avLst/>
+          </a:prstGeom>
+        </p:spPr>
+      </p:pic>
     </p:spTree>
     <p:extLst>
       <p:ext uri="{BB962C8B-B14F-4D97-AF65-F5344CB8AC3E}">
